--- a/IBM_project(Auric).pptx
+++ b/IBM_project(Auric).pptx
@@ -292,7 +292,7 @@
           <a:p>
             <a:fld id="{2C582A11-3E57-4B65-B40E-DD1F0A24B7C3}" type="datetimeFigureOut">
               <a:rPr lang="en-IN" smtClean="0"/>
-              <a:t>10-11-2025</a:t>
+              <a:t>12-11-2025</a:t>
             </a:fld>
             <a:endParaRPr lang="en-IN"/>
           </a:p>
@@ -520,7 +520,7 @@
           <a:p>
             <a:fld id="{2C582A11-3E57-4B65-B40E-DD1F0A24B7C3}" type="datetimeFigureOut">
               <a:rPr lang="en-IN" smtClean="0"/>
-              <a:t>10-11-2025</a:t>
+              <a:t>12-11-2025</a:t>
             </a:fld>
             <a:endParaRPr lang="en-IN"/>
           </a:p>
@@ -700,7 +700,7 @@
           <a:p>
             <a:fld id="{2C582A11-3E57-4B65-B40E-DD1F0A24B7C3}" type="datetimeFigureOut">
               <a:rPr lang="en-IN" smtClean="0"/>
-              <a:t>10-11-2025</a:t>
+              <a:t>12-11-2025</a:t>
             </a:fld>
             <a:endParaRPr lang="en-IN"/>
           </a:p>
@@ -870,7 +870,7 @@
           <a:p>
             <a:fld id="{2C582A11-3E57-4B65-B40E-DD1F0A24B7C3}" type="datetimeFigureOut">
               <a:rPr lang="en-IN" smtClean="0"/>
-              <a:t>10-11-2025</a:t>
+              <a:t>12-11-2025</a:t>
             </a:fld>
             <a:endParaRPr lang="en-IN"/>
           </a:p>
@@ -1124,7 +1124,7 @@
           <a:p>
             <a:fld id="{2C582A11-3E57-4B65-B40E-DD1F0A24B7C3}" type="datetimeFigureOut">
               <a:rPr lang="en-IN" smtClean="0"/>
-              <a:t>10-11-2025</a:t>
+              <a:t>12-11-2025</a:t>
             </a:fld>
             <a:endParaRPr lang="en-IN"/>
           </a:p>
@@ -1450,7 +1450,7 @@
           <a:p>
             <a:fld id="{2C582A11-3E57-4B65-B40E-DD1F0A24B7C3}" type="datetimeFigureOut">
               <a:rPr lang="en-IN" smtClean="0"/>
-              <a:t>10-11-2025</a:t>
+              <a:t>12-11-2025</a:t>
             </a:fld>
             <a:endParaRPr lang="en-IN"/>
           </a:p>
@@ -1901,7 +1901,7 @@
           <a:p>
             <a:fld id="{2C582A11-3E57-4B65-B40E-DD1F0A24B7C3}" type="datetimeFigureOut">
               <a:rPr lang="en-IN" smtClean="0"/>
-              <a:t>10-11-2025</a:t>
+              <a:t>12-11-2025</a:t>
             </a:fld>
             <a:endParaRPr lang="en-IN"/>
           </a:p>
@@ -2019,7 +2019,7 @@
           <a:p>
             <a:fld id="{2C582A11-3E57-4B65-B40E-DD1F0A24B7C3}" type="datetimeFigureOut">
               <a:rPr lang="en-IN" smtClean="0"/>
-              <a:t>10-11-2025</a:t>
+              <a:t>12-11-2025</a:t>
             </a:fld>
             <a:endParaRPr lang="en-IN"/>
           </a:p>
@@ -2114,7 +2114,7 @@
           <a:p>
             <a:fld id="{2C582A11-3E57-4B65-B40E-DD1F0A24B7C3}" type="datetimeFigureOut">
               <a:rPr lang="en-IN" smtClean="0"/>
-              <a:t>10-11-2025</a:t>
+              <a:t>12-11-2025</a:t>
             </a:fld>
             <a:endParaRPr lang="en-IN"/>
           </a:p>
@@ -2401,7 +2401,7 @@
           <a:p>
             <a:fld id="{2C582A11-3E57-4B65-B40E-DD1F0A24B7C3}" type="datetimeFigureOut">
               <a:rPr lang="en-IN" smtClean="0"/>
-              <a:t>10-11-2025</a:t>
+              <a:t>12-11-2025</a:t>
             </a:fld>
             <a:endParaRPr lang="en-IN"/>
           </a:p>
@@ -2723,7 +2723,7 @@
           <a:p>
             <a:fld id="{2C582A11-3E57-4B65-B40E-DD1F0A24B7C3}" type="datetimeFigureOut">
               <a:rPr lang="en-IN" smtClean="0"/>
-              <a:t>10-11-2025</a:t>
+              <a:t>12-11-2025</a:t>
             </a:fld>
             <a:endParaRPr lang="en-IN"/>
           </a:p>
@@ -2977,7 +2977,7 @@
           <a:p>
             <a:fld id="{2C582A11-3E57-4B65-B40E-DD1F0A24B7C3}" type="datetimeFigureOut">
               <a:rPr lang="en-IN" smtClean="0"/>
-              <a:t>10-11-2025</a:t>
+              <a:t>12-11-2025</a:t>
             </a:fld>
             <a:endParaRPr lang="en-IN"/>
           </a:p>
@@ -3487,8 +3487,8 @@
         </p:blipFill>
         <p:spPr>
           <a:xfrm>
-            <a:off x="2873828" y="170103"/>
-            <a:ext cx="5788480" cy="4582184"/>
+            <a:off x="3397530" y="195041"/>
+            <a:ext cx="5073139" cy="4015917"/>
           </a:xfrm>
           <a:prstGeom prst="rect">
             <a:avLst/>
@@ -3529,7 +3529,7 @@
         </p:nvSpPr>
         <p:spPr>
           <a:xfrm>
-            <a:off x="1583872" y="4849922"/>
+            <a:off x="1583872" y="4392722"/>
             <a:ext cx="11234058" cy="646331"/>
           </a:xfrm>
           <a:prstGeom prst="rect">
@@ -3563,7 +3563,7 @@
         </p:nvSpPr>
         <p:spPr>
           <a:xfrm>
-            <a:off x="3061607" y="5593888"/>
+            <a:off x="3169672" y="4930988"/>
             <a:ext cx="6653894" cy="923330"/>
           </a:xfrm>
           <a:prstGeom prst="rect">
@@ -3589,6 +3589,51 @@
           </a:p>
           <a:p>
             <a:endParaRPr lang="en-IN" dirty="0"/>
+          </a:p>
+        </p:txBody>
+      </p:sp>
+      <p:sp>
+        <p:nvSpPr>
+          <p:cNvPr id="2" name="TextBox 1"/>
+          <p:cNvSpPr txBox="1"/>
+          <p:nvPr/>
+        </p:nvSpPr>
+        <p:spPr>
+          <a:xfrm>
+            <a:off x="4343623" y="5577319"/>
+            <a:ext cx="4305992" cy="646331"/>
+          </a:xfrm>
+          <a:prstGeom prst="rect">
+            <a:avLst/>
+          </a:prstGeom>
+          <a:noFill/>
+        </p:spPr>
+        <p:txBody>
+          <a:bodyPr wrap="square" rtlCol="0">
+            <a:spAutoFit/>
+          </a:bodyPr>
+          <a:lstStyle/>
+          <a:p>
+            <a:r>
+              <a:rPr lang="en-US" dirty="0" smtClean="0">
+                <a:latin typeface="Arial" panose="020B0604020202020204" pitchFamily="34" charset="0"/>
+                <a:cs typeface="Arial" panose="020B0604020202020204" pitchFamily="34" charset="0"/>
+              </a:rPr>
+              <a:t>Presented By: Auric Dutt</a:t>
+            </a:r>
+          </a:p>
+          <a:p>
+            <a:r>
+              <a:rPr lang="en-US" dirty="0" smtClean="0">
+                <a:latin typeface="Arial" panose="020B0604020202020204" pitchFamily="34" charset="0"/>
+                <a:cs typeface="Arial" panose="020B0604020202020204" pitchFamily="34" charset="0"/>
+              </a:rPr>
+              <a:t>Guide Name: Miss Naina Devi</a:t>
+            </a:r>
+            <a:endParaRPr lang="en-IN" dirty="0">
+              <a:latin typeface="Arial" panose="020B0604020202020204" pitchFamily="34" charset="0"/>
+              <a:cs typeface="Arial" panose="020B0604020202020204" pitchFamily="34" charset="0"/>
+            </a:endParaRPr>
           </a:p>
         </p:txBody>
       </p:sp>
@@ -5263,26 +5308,8 @@
                 <a:latin typeface="Arial" panose="020B0604020202020204" pitchFamily="34" charset="0"/>
                 <a:cs typeface="Arial" panose="020B0604020202020204" pitchFamily="34" charset="0"/>
               </a:rPr>
-              <a:t>BATCH</a:t>
-            </a:r>
-            <a:r>
-              <a:rPr lang="en-US" sz="2800" b="1" smtClean="0">
-                <a:latin typeface="Arial" panose="020B0604020202020204" pitchFamily="34" charset="0"/>
-                <a:cs typeface="Arial" panose="020B0604020202020204" pitchFamily="34" charset="0"/>
-              </a:rPr>
-              <a:t>: </a:t>
-            </a:r>
-            <a:r>
-              <a:rPr lang="en-US" sz="2800" b="1" smtClean="0">
-                <a:latin typeface="Arial" panose="020B0604020202020204" pitchFamily="34" charset="0"/>
-                <a:cs typeface="Arial" panose="020B0604020202020204" pitchFamily="34" charset="0"/>
-              </a:rPr>
-              <a:t>BCS_AI-3A</a:t>
-            </a:r>
-            <a:endParaRPr lang="en-US" sz="2800" b="1" dirty="0" smtClean="0">
-              <a:latin typeface="Arial" panose="020B0604020202020204" pitchFamily="34" charset="0"/>
-              <a:cs typeface="Arial" panose="020B0604020202020204" pitchFamily="34" charset="0"/>
-            </a:endParaRPr>
+              <a:t>BATCH: BCS_AI-2A</a:t>
+            </a:r>
           </a:p>
           <a:p>
             <a:endParaRPr lang="en-US" dirty="0">
@@ -5441,8 +5468,8 @@
         </p:nvSpPr>
         <p:spPr>
           <a:xfrm>
-            <a:off x="831360" y="857427"/>
-            <a:ext cx="5124597" cy="5093749"/>
+            <a:off x="831360" y="923330"/>
+            <a:ext cx="5124597" cy="5027846"/>
           </a:xfrm>
           <a:prstGeom prst="rect">
             <a:avLst/>
@@ -5554,7 +5581,7 @@
         </p:nvSpPr>
         <p:spPr>
           <a:xfrm>
-            <a:off x="576509" y="0"/>
+            <a:off x="685635" y="-22948"/>
             <a:ext cx="4442242" cy="923330"/>
           </a:xfrm>
           <a:prstGeom prst="rect">
